--- a/Презентация.pptx
+++ b/Презентация.pptx
@@ -11,6 +11,7 @@
     <p:sldId id="259" r:id="rId5"/>
     <p:sldId id="260" r:id="rId6"/>
     <p:sldId id="261" r:id="rId7"/>
+    <p:sldId id="262" r:id="rId8"/>
   </p:sldIdLst>
   <p:sldSz cx="12192000" cy="6858000"/>
   <p:notesSz cx="6858000" cy="9144000"/>
@@ -109,7 +110,307 @@
       </a:defRPr>
     </a:lvl9pPr>
   </p:defaultTextStyle>
+  <p:extLst>
+    <p:ext uri="{EFAFB233-063F-42B5-8137-9DF3F51BA10A}">
+      <p15:sldGuideLst xmlns:p15="http://schemas.microsoft.com/office/powerpoint/2012/main"/>
+    </p:ext>
+  </p:extLst>
 </p:presentation>
+</file>
+
+<file path=ppt/revisionInfo.xml><?xml version="1.0" encoding="utf-8"?>
+<p1510:revInfo xmlns:a="http://schemas.openxmlformats.org/drawingml/2006/main" xmlns:r="http://schemas.openxmlformats.org/officeDocument/2006/relationships" xmlns:p1510="http://schemas.microsoft.com/office/powerpoint/2015/10/main">
+  <p1510:revLst>
+    <p1510:client id="{BEB2D8D2-9C13-480C-A31E-58D980E05602}" v="305" dt="2022-04-21T13:00:25.082"/>
+  </p1510:revLst>
+</p1510:revInfo>
+</file>
+
+<file path=ppt/changesInfos/changesInfo1.xml><?xml version="1.0" encoding="utf-8"?>
+<pc:chgInfo xmlns:a="http://schemas.openxmlformats.org/drawingml/2006/main" xmlns:r="http://schemas.openxmlformats.org/officeDocument/2006/relationships" xmlns:ac="http://schemas.microsoft.com/office/drawing/2013/main/command" xmlns:pc="http://schemas.microsoft.com/office/powerpoint/2013/main/command">
+  <pc:docChgLst>
+    <pc:chgData name="Lebedev Fedor" userId="584260e9e1a7b955" providerId="Windows Live" clId="Web-{BEB2D8D2-9C13-480C-A31E-58D980E05602}"/>
+    <pc:docChg chg="addSld modSld">
+      <pc:chgData name="Lebedev Fedor" userId="584260e9e1a7b955" providerId="Windows Live" clId="Web-{BEB2D8D2-9C13-480C-A31E-58D980E05602}" dt="2022-04-21T13:00:25.082" v="306" actId="1076"/>
+      <pc:docMkLst>
+        <pc:docMk/>
+      </pc:docMkLst>
+      <pc:sldChg chg="modSp">
+        <pc:chgData name="Lebedev Fedor" userId="584260e9e1a7b955" providerId="Windows Live" clId="Web-{BEB2D8D2-9C13-480C-A31E-58D980E05602}" dt="2022-04-21T12:15:40.918" v="44" actId="20577"/>
+        <pc:sldMkLst>
+          <pc:docMk/>
+          <pc:sldMk cId="2252104236" sldId="256"/>
+        </pc:sldMkLst>
+        <pc:spChg chg="mod">
+          <ac:chgData name="Lebedev Fedor" userId="584260e9e1a7b955" providerId="Windows Live" clId="Web-{BEB2D8D2-9C13-480C-A31E-58D980E05602}" dt="2022-04-21T12:15:03.808" v="8" actId="20577"/>
+          <ac:spMkLst>
+            <pc:docMk/>
+            <pc:sldMk cId="2252104236" sldId="256"/>
+            <ac:spMk id="2" creationId="{E24AFD8C-FBEB-4B85-874A-BBC63615B5C3}"/>
+          </ac:spMkLst>
+        </pc:spChg>
+        <pc:spChg chg="mod">
+          <ac:chgData name="Lebedev Fedor" userId="584260e9e1a7b955" providerId="Windows Live" clId="Web-{BEB2D8D2-9C13-480C-A31E-58D980E05602}" dt="2022-04-21T12:15:40.918" v="44" actId="20577"/>
+          <ac:spMkLst>
+            <pc:docMk/>
+            <pc:sldMk cId="2252104236" sldId="256"/>
+            <ac:spMk id="3" creationId="{269EC215-3B8B-4B18-A06D-62C62C583DED}"/>
+          </ac:spMkLst>
+        </pc:spChg>
+      </pc:sldChg>
+      <pc:sldChg chg="modSp">
+        <pc:chgData name="Lebedev Fedor" userId="584260e9e1a7b955" providerId="Windows Live" clId="Web-{BEB2D8D2-9C13-480C-A31E-58D980E05602}" dt="2022-04-21T12:20:48.971" v="132" actId="20577"/>
+        <pc:sldMkLst>
+          <pc:docMk/>
+          <pc:sldMk cId="3622187129" sldId="257"/>
+        </pc:sldMkLst>
+        <pc:spChg chg="mod">
+          <ac:chgData name="Lebedev Fedor" userId="584260e9e1a7b955" providerId="Windows Live" clId="Web-{BEB2D8D2-9C13-480C-A31E-58D980E05602}" dt="2022-04-21T12:20:48.971" v="132" actId="20577"/>
+          <ac:spMkLst>
+            <pc:docMk/>
+            <pc:sldMk cId="3622187129" sldId="257"/>
+            <ac:spMk id="3" creationId="{3F63DDC0-0CFF-4DE5-A6CE-DD46FA2EF5B3}"/>
+          </ac:spMkLst>
+        </pc:spChg>
+      </pc:sldChg>
+      <pc:sldChg chg="modSp">
+        <pc:chgData name="Lebedev Fedor" userId="584260e9e1a7b955" providerId="Windows Live" clId="Web-{BEB2D8D2-9C13-480C-A31E-58D980E05602}" dt="2022-04-21T12:22:26.019" v="182" actId="20577"/>
+        <pc:sldMkLst>
+          <pc:docMk/>
+          <pc:sldMk cId="3910847473" sldId="258"/>
+        </pc:sldMkLst>
+        <pc:spChg chg="mod">
+          <ac:chgData name="Lebedev Fedor" userId="584260e9e1a7b955" providerId="Windows Live" clId="Web-{BEB2D8D2-9C13-480C-A31E-58D980E05602}" dt="2022-04-21T12:22:26.019" v="182" actId="20577"/>
+          <ac:spMkLst>
+            <pc:docMk/>
+            <pc:sldMk cId="3910847473" sldId="258"/>
+            <ac:spMk id="3" creationId="{993DDF59-2E0C-401E-A200-D171D0B849D3}"/>
+          </ac:spMkLst>
+        </pc:spChg>
+      </pc:sldChg>
+      <pc:sldChg chg="addSp delSp modSp">
+        <pc:chgData name="Lebedev Fedor" userId="584260e9e1a7b955" providerId="Windows Live" clId="Web-{BEB2D8D2-9C13-480C-A31E-58D980E05602}" dt="2022-04-21T12:57:19.382" v="229" actId="14100"/>
+        <pc:sldMkLst>
+          <pc:docMk/>
+          <pc:sldMk cId="2983551285" sldId="259"/>
+        </pc:sldMkLst>
+        <pc:spChg chg="mod">
+          <ac:chgData name="Lebedev Fedor" userId="584260e9e1a7b955" providerId="Windows Live" clId="Web-{BEB2D8D2-9C13-480C-A31E-58D980E05602}" dt="2022-04-21T12:53:08.366" v="201" actId="20577"/>
+          <ac:spMkLst>
+            <pc:docMk/>
+            <pc:sldMk cId="2983551285" sldId="259"/>
+            <ac:spMk id="2" creationId="{7C1A98B4-8D45-4773-B015-FE27BBA5C084}"/>
+          </ac:spMkLst>
+        </pc:spChg>
+        <pc:spChg chg="add del mod">
+          <ac:chgData name="Lebedev Fedor" userId="584260e9e1a7b955" providerId="Windows Live" clId="Web-{BEB2D8D2-9C13-480C-A31E-58D980E05602}" dt="2022-04-21T12:56:03.408" v="208"/>
+          <ac:spMkLst>
+            <pc:docMk/>
+            <pc:sldMk cId="2983551285" sldId="259"/>
+            <ac:spMk id="6" creationId="{0BF50EE6-CC99-3AE5-8618-307F8EA49F74}"/>
+          </ac:spMkLst>
+        </pc:spChg>
+        <pc:spChg chg="add del mod">
+          <ac:chgData name="Lebedev Fedor" userId="584260e9e1a7b955" providerId="Windows Live" clId="Web-{BEB2D8D2-9C13-480C-A31E-58D980E05602}" dt="2022-04-21T12:57:12.663" v="227"/>
+          <ac:spMkLst>
+            <pc:docMk/>
+            <pc:sldMk cId="2983551285" sldId="259"/>
+            <ac:spMk id="13" creationId="{80BCE73D-5584-3B4B-9F6A-1873283812FD}"/>
+          </ac:spMkLst>
+        </pc:spChg>
+        <pc:picChg chg="del">
+          <ac:chgData name="Lebedev Fedor" userId="584260e9e1a7b955" providerId="Windows Live" clId="Web-{BEB2D8D2-9C13-480C-A31E-58D980E05602}" dt="2022-04-21T12:53:10.788" v="203"/>
+          <ac:picMkLst>
+            <pc:docMk/>
+            <pc:sldMk cId="2983551285" sldId="259"/>
+            <ac:picMk id="4" creationId="{7196397E-8EC4-433A-A359-A78B0673BEDB}"/>
+          </ac:picMkLst>
+        </pc:picChg>
+        <pc:picChg chg="del">
+          <ac:chgData name="Lebedev Fedor" userId="584260e9e1a7b955" providerId="Windows Live" clId="Web-{BEB2D8D2-9C13-480C-A31E-58D980E05602}" dt="2022-04-21T12:53:09.100" v="202"/>
+          <ac:picMkLst>
+            <pc:docMk/>
+            <pc:sldMk cId="2983551285" sldId="259"/>
+            <ac:picMk id="5" creationId="{82E5B359-516E-49F7-8019-0F8792199837}"/>
+          </ac:picMkLst>
+        </pc:picChg>
+        <pc:picChg chg="add del mod ord">
+          <ac:chgData name="Lebedev Fedor" userId="584260e9e1a7b955" providerId="Windows Live" clId="Web-{BEB2D8D2-9C13-480C-A31E-58D980E05602}" dt="2022-04-21T12:56:00.299" v="207"/>
+          <ac:picMkLst>
+            <pc:docMk/>
+            <pc:sldMk cId="2983551285" sldId="259"/>
+            <ac:picMk id="7" creationId="{9506F8D4-D238-FB8C-8890-44C0411A0065}"/>
+          </ac:picMkLst>
+        </pc:picChg>
+        <pc:picChg chg="add del mod">
+          <ac:chgData name="Lebedev Fedor" userId="584260e9e1a7b955" providerId="Windows Live" clId="Web-{BEB2D8D2-9C13-480C-A31E-58D980E05602}" dt="2022-04-21T12:55:58.908" v="206"/>
+          <ac:picMkLst>
+            <pc:docMk/>
+            <pc:sldMk cId="2983551285" sldId="259"/>
+            <ac:picMk id="8" creationId="{0F8F536C-ACA6-016C-0546-F64197E176EE}"/>
+          </ac:picMkLst>
+        </pc:picChg>
+        <pc:picChg chg="add del mod ord">
+          <ac:chgData name="Lebedev Fedor" userId="584260e9e1a7b955" providerId="Windows Live" clId="Web-{BEB2D8D2-9C13-480C-A31E-58D980E05602}" dt="2022-04-21T12:57:03.381" v="223"/>
+          <ac:picMkLst>
+            <pc:docMk/>
+            <pc:sldMk cId="2983551285" sldId="259"/>
+            <ac:picMk id="9" creationId="{0E12A7EC-A6B5-3033-F900-BDA2EE098A97}"/>
+          </ac:picMkLst>
+        </pc:picChg>
+        <pc:picChg chg="add del mod">
+          <ac:chgData name="Lebedev Fedor" userId="584260e9e1a7b955" providerId="Windows Live" clId="Web-{BEB2D8D2-9C13-480C-A31E-58D980E05602}" dt="2022-04-21T12:56:53.459" v="217"/>
+          <ac:picMkLst>
+            <pc:docMk/>
+            <pc:sldMk cId="2983551285" sldId="259"/>
+            <ac:picMk id="10" creationId="{C38D50B6-62E3-0EF2-6CE8-9C8A8015123D}"/>
+          </ac:picMkLst>
+        </pc:picChg>
+        <pc:picChg chg="add mod">
+          <ac:chgData name="Lebedev Fedor" userId="584260e9e1a7b955" providerId="Windows Live" clId="Web-{BEB2D8D2-9C13-480C-A31E-58D980E05602}" dt="2022-04-21T12:57:19.382" v="229" actId="14100"/>
+          <ac:picMkLst>
+            <pc:docMk/>
+            <pc:sldMk cId="2983551285" sldId="259"/>
+            <ac:picMk id="11" creationId="{33852BA5-A854-87FE-7C48-E6A447795F85}"/>
+          </ac:picMkLst>
+        </pc:picChg>
+      </pc:sldChg>
+      <pc:sldChg chg="addSp delSp modSp">
+        <pc:chgData name="Lebedev Fedor" userId="584260e9e1a7b955" providerId="Windows Live" clId="Web-{BEB2D8D2-9C13-480C-A31E-58D980E05602}" dt="2022-04-21T12:58:08.088" v="261" actId="1076"/>
+        <pc:sldMkLst>
+          <pc:docMk/>
+          <pc:sldMk cId="2090725939" sldId="260"/>
+        </pc:sldMkLst>
+        <pc:spChg chg="mod">
+          <ac:chgData name="Lebedev Fedor" userId="584260e9e1a7b955" providerId="Windows Live" clId="Web-{BEB2D8D2-9C13-480C-A31E-58D980E05602}" dt="2022-04-21T12:57:35.180" v="255" actId="20577"/>
+          <ac:spMkLst>
+            <pc:docMk/>
+            <pc:sldMk cId="2090725939" sldId="260"/>
+            <ac:spMk id="2" creationId="{03465EB1-C0DA-464D-92C6-EE29333BF388}"/>
+          </ac:spMkLst>
+        </pc:spChg>
+        <pc:spChg chg="add">
+          <ac:chgData name="Lebedev Fedor" userId="584260e9e1a7b955" providerId="Windows Live" clId="Web-{BEB2D8D2-9C13-480C-A31E-58D980E05602}" dt="2022-04-21T12:57:22.586" v="230"/>
+          <ac:spMkLst>
+            <pc:docMk/>
+            <pc:sldMk cId="2090725939" sldId="260"/>
+            <ac:spMk id="3" creationId="{F1A4527D-2AD0-2292-3BFA-C7104C18E772}"/>
+          </ac:spMkLst>
+        </pc:spChg>
+        <pc:spChg chg="add del mod">
+          <ac:chgData name="Lebedev Fedor" userId="584260e9e1a7b955" providerId="Windows Live" clId="Web-{BEB2D8D2-9C13-480C-A31E-58D980E05602}" dt="2022-04-21T12:58:00.182" v="258"/>
+          <ac:spMkLst>
+            <pc:docMk/>
+            <pc:sldMk cId="2090725939" sldId="260"/>
+            <ac:spMk id="6" creationId="{CD828872-64A4-AF8B-EE52-C0C9286E363F}"/>
+          </ac:spMkLst>
+        </pc:spChg>
+        <pc:picChg chg="del">
+          <ac:chgData name="Lebedev Fedor" userId="584260e9e1a7b955" providerId="Windows Live" clId="Web-{BEB2D8D2-9C13-480C-A31E-58D980E05602}" dt="2022-04-21T12:57:37.211" v="256"/>
+          <ac:picMkLst>
+            <pc:docMk/>
+            <pc:sldMk cId="2090725939" sldId="260"/>
+            <ac:picMk id="4" creationId="{046A6074-BF54-4277-A476-6847A880E497}"/>
+          </ac:picMkLst>
+        </pc:picChg>
+        <pc:picChg chg="add mod ord">
+          <ac:chgData name="Lebedev Fedor" userId="584260e9e1a7b955" providerId="Windows Live" clId="Web-{BEB2D8D2-9C13-480C-A31E-58D980E05602}" dt="2022-04-21T12:58:08.088" v="261" actId="1076"/>
+          <ac:picMkLst>
+            <pc:docMk/>
+            <pc:sldMk cId="2090725939" sldId="260"/>
+            <ac:picMk id="7" creationId="{2460CE08-62F0-42EE-5F0C-A8A4F0D07F10}"/>
+          </ac:picMkLst>
+        </pc:picChg>
+      </pc:sldChg>
+      <pc:sldChg chg="addSp delSp modSp">
+        <pc:chgData name="Lebedev Fedor" userId="584260e9e1a7b955" providerId="Windows Live" clId="Web-{BEB2D8D2-9C13-480C-A31E-58D980E05602}" dt="2022-04-21T12:59:27.515" v="292" actId="14100"/>
+        <pc:sldMkLst>
+          <pc:docMk/>
+          <pc:sldMk cId="2557138802" sldId="261"/>
+        </pc:sldMkLst>
+        <pc:spChg chg="mod">
+          <ac:chgData name="Lebedev Fedor" userId="584260e9e1a7b955" providerId="Windows Live" clId="Web-{BEB2D8D2-9C13-480C-A31E-58D980E05602}" dt="2022-04-21T12:58:36.918" v="280" actId="20577"/>
+          <ac:spMkLst>
+            <pc:docMk/>
+            <pc:sldMk cId="2557138802" sldId="261"/>
+            <ac:spMk id="2" creationId="{526A3221-192D-4F70-BB0C-9D22AF5224AF}"/>
+          </ac:spMkLst>
+        </pc:spChg>
+        <pc:spChg chg="add del mod">
+          <ac:chgData name="Lebedev Fedor" userId="584260e9e1a7b955" providerId="Windows Live" clId="Web-{BEB2D8D2-9C13-480C-A31E-58D980E05602}" dt="2022-04-21T12:58:57.279" v="287"/>
+          <ac:spMkLst>
+            <pc:docMk/>
+            <pc:sldMk cId="2557138802" sldId="261"/>
+            <ac:spMk id="5" creationId="{F4F6B07B-41E2-CEA0-C0B3-01D7878AD1DB}"/>
+          </ac:spMkLst>
+        </pc:spChg>
+        <pc:picChg chg="add mod">
+          <ac:chgData name="Lebedev Fedor" userId="584260e9e1a7b955" providerId="Windows Live" clId="Web-{BEB2D8D2-9C13-480C-A31E-58D980E05602}" dt="2022-04-21T12:59:02.936" v="289" actId="14100"/>
+          <ac:picMkLst>
+            <pc:docMk/>
+            <pc:sldMk cId="2557138802" sldId="261"/>
+            <ac:picMk id="3" creationId="{2CC01ED0-E53A-2E22-8311-75BF680E34F6}"/>
+          </ac:picMkLst>
+        </pc:picChg>
+        <pc:picChg chg="add mod">
+          <ac:chgData name="Lebedev Fedor" userId="584260e9e1a7b955" providerId="Windows Live" clId="Web-{BEB2D8D2-9C13-480C-A31E-58D980E05602}" dt="2022-04-21T12:59:27.515" v="292" actId="14100"/>
+          <ac:picMkLst>
+            <pc:docMk/>
+            <pc:sldMk cId="2557138802" sldId="261"/>
+            <ac:picMk id="6" creationId="{96A998AF-2611-AC25-9B78-560E2585AFEF}"/>
+          </ac:picMkLst>
+        </pc:picChg>
+        <pc:picChg chg="del">
+          <ac:chgData name="Lebedev Fedor" userId="584260e9e1a7b955" providerId="Windows Live" clId="Web-{BEB2D8D2-9C13-480C-A31E-58D980E05602}" dt="2022-04-21T12:58:39.637" v="282"/>
+          <ac:picMkLst>
+            <pc:docMk/>
+            <pc:sldMk cId="2557138802" sldId="261"/>
+            <ac:picMk id="12" creationId="{C472B892-93EE-47B6-9A47-6C04DD80F6E5}"/>
+          </ac:picMkLst>
+        </pc:picChg>
+        <pc:picChg chg="del">
+          <ac:chgData name="Lebedev Fedor" userId="584260e9e1a7b955" providerId="Windows Live" clId="Web-{BEB2D8D2-9C13-480C-A31E-58D980E05602}" dt="2022-04-21T12:58:41.075" v="283"/>
+          <ac:picMkLst>
+            <pc:docMk/>
+            <pc:sldMk cId="2557138802" sldId="261"/>
+            <ac:picMk id="13" creationId="{8928B799-ED9C-4C93-B0D3-8D88A8D2540F}"/>
+          </ac:picMkLst>
+        </pc:picChg>
+      </pc:sldChg>
+      <pc:sldChg chg="addSp delSp modSp new">
+        <pc:chgData name="Lebedev Fedor" userId="584260e9e1a7b955" providerId="Windows Live" clId="Web-{BEB2D8D2-9C13-480C-A31E-58D980E05602}" dt="2022-04-21T13:00:25.082" v="306" actId="1076"/>
+        <pc:sldMkLst>
+          <pc:docMk/>
+          <pc:sldMk cId="865090771" sldId="262"/>
+        </pc:sldMkLst>
+        <pc:spChg chg="mod">
+          <ac:chgData name="Lebedev Fedor" userId="584260e9e1a7b955" providerId="Windows Live" clId="Web-{BEB2D8D2-9C13-480C-A31E-58D980E05602}" dt="2022-04-21T13:00:12.222" v="301" actId="20577"/>
+          <ac:spMkLst>
+            <pc:docMk/>
+            <pc:sldMk cId="865090771" sldId="262"/>
+            <ac:spMk id="2" creationId="{ACAC682A-7B15-0F35-80B3-1E7AF4F101ED}"/>
+          </ac:spMkLst>
+        </pc:spChg>
+        <pc:spChg chg="del">
+          <ac:chgData name="Lebedev Fedor" userId="584260e9e1a7b955" providerId="Windows Live" clId="Web-{BEB2D8D2-9C13-480C-A31E-58D980E05602}" dt="2022-04-21T13:00:14.144" v="302"/>
+          <ac:spMkLst>
+            <pc:docMk/>
+            <pc:sldMk cId="865090771" sldId="262"/>
+            <ac:spMk id="3" creationId="{FD53DA24-94CE-0C0E-FC3A-4DEE3A02855A}"/>
+          </ac:spMkLst>
+        </pc:spChg>
+        <pc:picChg chg="add mod ord">
+          <ac:chgData name="Lebedev Fedor" userId="584260e9e1a7b955" providerId="Windows Live" clId="Web-{BEB2D8D2-9C13-480C-A31E-58D980E05602}" dt="2022-04-21T13:00:25.082" v="306" actId="1076"/>
+          <ac:picMkLst>
+            <pc:docMk/>
+            <pc:sldMk cId="865090771" sldId="262"/>
+            <ac:picMk id="4" creationId="{9836E614-C1F4-B398-396A-B64316814C9F}"/>
+          </ac:picMkLst>
+        </pc:picChg>
+      </pc:sldChg>
+    </pc:docChg>
+  </pc:docChgLst>
+</pc:chgInfo>
 </file>
 
 <file path=ppt/slideLayouts/slideLayout1.xml><?xml version="1.0" encoding="utf-8"?>
@@ -298,7 +599,7 @@
           <a:p>
             <a:fld id="{4AAD347D-5ACD-4C99-B74B-A9C85AD731AF}" type="datetimeFigureOut">
               <a:rPr lang="en-US" dirty="0"/>
-              <a:t>11/11/2021</a:t>
+              <a:t>4/21/2022</a:t>
             </a:fld>
             <a:endParaRPr lang="en-US" dirty="0"/>
           </a:p>
@@ -568,7 +869,7 @@
           <a:p>
             <a:fld id="{4509A250-FF31-4206-8172-F9D3106AACB1}" type="datetimeFigureOut">
               <a:rPr lang="en-US" dirty="0"/>
-              <a:t>11/11/2021</a:t>
+              <a:t>4/21/2022</a:t>
             </a:fld>
             <a:endParaRPr lang="en-US" dirty="0"/>
           </a:p>
@@ -757,7 +1058,7 @@
           <a:p>
             <a:fld id="{4509A250-FF31-4206-8172-F9D3106AACB1}" type="datetimeFigureOut">
               <a:rPr lang="en-US" dirty="0"/>
-              <a:t>11/11/2021</a:t>
+              <a:t>4/21/2022</a:t>
             </a:fld>
             <a:endParaRPr lang="en-US" dirty="0"/>
           </a:p>
@@ -1025,7 +1326,7 @@
           <a:p>
             <a:fld id="{4509A250-FF31-4206-8172-F9D3106AACB1}" type="datetimeFigureOut">
               <a:rPr lang="en-US" dirty="0"/>
-              <a:t>11/11/2021</a:t>
+              <a:t>4/21/2022</a:t>
             </a:fld>
             <a:endParaRPr lang="en-US" dirty="0"/>
           </a:p>
@@ -1361,7 +1662,7 @@
           <a:p>
             <a:fld id="{4509A250-FF31-4206-8172-F9D3106AACB1}" type="datetimeFigureOut">
               <a:rPr lang="en-US" dirty="0"/>
-              <a:t>11/11/2021</a:t>
+              <a:t>4/21/2022</a:t>
             </a:fld>
             <a:endParaRPr lang="en-US" dirty="0"/>
           </a:p>
@@ -1979,7 +2280,7 @@
           <a:p>
             <a:fld id="{4509A250-FF31-4206-8172-F9D3106AACB1}" type="datetimeFigureOut">
               <a:rPr lang="en-US" dirty="0"/>
-              <a:t>11/11/2021</a:t>
+              <a:t>4/21/2022</a:t>
             </a:fld>
             <a:endParaRPr lang="en-US" dirty="0"/>
           </a:p>
@@ -2834,7 +3135,7 @@
           <a:p>
             <a:fld id="{4509A250-FF31-4206-8172-F9D3106AACB1}" type="datetimeFigureOut">
               <a:rPr lang="en-US" dirty="0"/>
-              <a:t>11/11/2021</a:t>
+              <a:t>4/21/2022</a:t>
             </a:fld>
             <a:endParaRPr lang="en-US" dirty="0"/>
           </a:p>
@@ -2999,7 +3300,7 @@
           <a:p>
             <a:fld id="{4509A250-FF31-4206-8172-F9D3106AACB1}" type="datetimeFigureOut">
               <a:rPr lang="en-US" dirty="0"/>
-              <a:t>11/11/2021</a:t>
+              <a:t>4/21/2022</a:t>
             </a:fld>
             <a:endParaRPr lang="en-US" dirty="0"/>
           </a:p>
@@ -3174,7 +3475,7 @@
           <a:p>
             <a:fld id="{4509A250-FF31-4206-8172-F9D3106AACB1}" type="datetimeFigureOut">
               <a:rPr lang="en-US" dirty="0"/>
-              <a:t>11/11/2021</a:t>
+              <a:t>4/21/2022</a:t>
             </a:fld>
             <a:endParaRPr lang="en-US" dirty="0"/>
           </a:p>
@@ -3339,7 +3640,7 @@
           <a:p>
             <a:fld id="{4509A250-FF31-4206-8172-F9D3106AACB1}" type="datetimeFigureOut">
               <a:rPr lang="en-US" dirty="0"/>
-              <a:t>11/11/2021</a:t>
+              <a:t>4/21/2022</a:t>
             </a:fld>
             <a:endParaRPr lang="en-US" dirty="0"/>
           </a:p>
@@ -3581,7 +3882,7 @@
           <a:p>
             <a:fld id="{9796027F-7875-4030-9381-8BD8C4F21935}" type="datetimeFigureOut">
               <a:rPr lang="en-US" dirty="0"/>
-              <a:t>11/11/2021</a:t>
+              <a:t>4/21/2022</a:t>
             </a:fld>
             <a:endParaRPr lang="en-US" dirty="0"/>
           </a:p>
@@ -3868,7 +4169,7 @@
           <a:p>
             <a:fld id="{9796027F-7875-4030-9381-8BD8C4F21935}" type="datetimeFigureOut">
               <a:rPr lang="en-US" dirty="0"/>
-              <a:t>11/11/2021</a:t>
+              <a:t>4/21/2022</a:t>
             </a:fld>
             <a:endParaRPr lang="en-US" dirty="0"/>
           </a:p>
@@ -4307,7 +4608,7 @@
           <a:p>
             <a:fld id="{9796027F-7875-4030-9381-8BD8C4F21935}" type="datetimeFigureOut">
               <a:rPr lang="en-US" dirty="0"/>
-              <a:t>11/11/2021</a:t>
+              <a:t>4/21/2022</a:t>
             </a:fld>
             <a:endParaRPr lang="en-US" dirty="0"/>
           </a:p>
@@ -4420,7 +4721,7 @@
           <a:p>
             <a:fld id="{4509A250-FF31-4206-8172-F9D3106AACB1}" type="datetimeFigureOut">
               <a:rPr lang="en-US" dirty="0"/>
-              <a:t>11/11/2021</a:t>
+              <a:t>4/21/2022</a:t>
             </a:fld>
             <a:endParaRPr lang="en-US" dirty="0"/>
           </a:p>
@@ -4510,7 +4811,7 @@
           <a:p>
             <a:fld id="{4509A250-FF31-4206-8172-F9D3106AACB1}" type="datetimeFigureOut">
               <a:rPr lang="en-US" dirty="0"/>
-              <a:t>11/11/2021</a:t>
+              <a:t>4/21/2022</a:t>
             </a:fld>
             <a:endParaRPr lang="en-US" dirty="0"/>
           </a:p>
@@ -4784,7 +5085,7 @@
           <a:p>
             <a:fld id="{4509A250-FF31-4206-8172-F9D3106AACB1}" type="datetimeFigureOut">
               <a:rPr lang="en-US" dirty="0"/>
-              <a:t>11/11/2021</a:t>
+              <a:t>4/21/2022</a:t>
             </a:fld>
             <a:endParaRPr lang="en-US" dirty="0"/>
           </a:p>
@@ -5054,7 +5355,7 @@
           <a:p>
             <a:fld id="{4509A250-FF31-4206-8172-F9D3106AACB1}" type="datetimeFigureOut">
               <a:rPr lang="en-US" dirty="0"/>
-              <a:t>11/11/2021</a:t>
+              <a:t>4/21/2022</a:t>
             </a:fld>
             <a:endParaRPr lang="en-US" dirty="0"/>
           </a:p>
@@ -5478,7 +5779,7 @@
           <a:p>
             <a:fld id="{4AAD347D-5ACD-4C99-B74B-A9C85AD731AF}" type="datetimeFigureOut">
               <a:rPr lang="en-US" dirty="0"/>
-              <a:t>11/11/2021</a:t>
+              <a:t>4/21/2022</a:t>
             </a:fld>
             <a:endParaRPr lang="en-US" dirty="0"/>
           </a:p>
@@ -6024,8 +6325,8 @@
           <a:lstStyle/>
           <a:p>
             <a:r>
-              <a:rPr lang="ru-RU" dirty="0"/>
-              <a:t>Энциклопедия компьютерных игр</a:t>
+              <a:rPr lang="ru-RU" dirty="0" err="1"/>
+              <a:t>CloneTube</a:t>
             </a:r>
           </a:p>
         </p:txBody>
@@ -6048,12 +6349,29 @@
         </p:nvSpPr>
         <p:spPr/>
         <p:txBody>
-          <a:bodyPr/>
+          <a:bodyPr>
+            <a:normAutofit fontScale="70000" lnSpcReduction="20000"/>
+          </a:bodyPr>
           <a:lstStyle/>
           <a:p>
             <a:r>
               <a:rPr lang="ru-RU" dirty="0"/>
-              <a:t>Выполнил ученик 9 класса Лебедев Фёдор</a:t>
+              <a:t>Выполнили: </a:t>
+            </a:r>
+          </a:p>
+          <a:p>
+            <a:r>
+              <a:rPr lang="ru-RU" dirty="0">
+                <a:ea typeface="+mj-lt"/>
+                <a:cs typeface="+mj-lt"/>
+              </a:rPr>
+              <a:t>Лебедев Фёдор</a:t>
+            </a:r>
+          </a:p>
+          <a:p>
+            <a:r>
+              <a:rPr lang="ru-RU" dirty="0"/>
+              <a:t>Константин Зайцев</a:t>
             </a:r>
           </a:p>
         </p:txBody>
@@ -6170,27 +6488,60 @@
         </p:nvSpPr>
         <p:spPr/>
         <p:txBody>
-          <a:bodyPr>
-            <a:normAutofit/>
+          <a:bodyPr vert="horz" lIns="91440" tIns="45720" rIns="91440" bIns="45720" rtlCol="0" anchor="t">
+            <a:noAutofit/>
           </a:bodyPr>
           <a:lstStyle/>
           <a:p>
-            <a:r>
-              <a:rPr lang="ru-RU" sz="3200" dirty="0"/>
-              <a:t>Помочь человеку, который только осваивается в мире видеоигр.</a:t>
-            </a:r>
-          </a:p>
-          <a:p>
-            <a:r>
-              <a:rPr lang="ru-RU" sz="3200" dirty="0"/>
-              <a:t>Подобрать игры, которые возможно ему понравятся.</a:t>
-            </a:r>
-          </a:p>
-          <a:p>
-            <a:r>
-              <a:rPr lang="ru-RU" sz="3200" dirty="0"/>
-              <a:t>Сделать удобную систему списка желаемого</a:t>
-            </a:r>
+            <a:pPr>
+              <a:buClr>
+                <a:srgbClr val="8AD0D6"/>
+              </a:buClr>
+            </a:pPr>
+            <a:r>
+              <a:rPr lang="ru-RU" sz="3600" dirty="0" err="1"/>
+              <a:t>Cоздать</a:t>
+            </a:r>
+            <a:r>
+              <a:rPr lang="ru-RU" sz="3600" dirty="0"/>
+              <a:t> видеохостинг</a:t>
+            </a:r>
+          </a:p>
+          <a:p>
+            <a:r>
+              <a:rPr lang="ru-RU" sz="3600" dirty="0"/>
+              <a:t>Реализовать добавление комментариев</a:t>
+            </a:r>
+          </a:p>
+          <a:p>
+            <a:pPr>
+              <a:buClr>
+                <a:srgbClr val="8AD0D6"/>
+              </a:buClr>
+            </a:pPr>
+            <a:r>
+              <a:rPr lang="ru-RU" sz="3600" dirty="0"/>
+              <a:t>Реализовать систему просмотра видео</a:t>
+            </a:r>
+          </a:p>
+          <a:p>
+            <a:pPr>
+              <a:buClr>
+                <a:srgbClr val="8AD0D6"/>
+              </a:buClr>
+            </a:pPr>
+            <a:r>
+              <a:rPr lang="ru-RU" sz="3600" dirty="0"/>
+              <a:t>Реализовать систему </a:t>
+            </a:r>
+            <a:r>
+              <a:rPr lang="ru-RU" sz="3600" dirty="0" err="1"/>
+              <a:t>микросервисов</a:t>
+            </a:r>
+            <a:endParaRPr lang="ru-RU" sz="3600" dirty="0"/>
+          </a:p>
+          <a:p>
+            <a:endParaRPr lang="ru-RU" sz="3200"/>
           </a:p>
         </p:txBody>
       </p:sp>
@@ -6322,8 +6673,8 @@
           </a:xfrm>
         </p:spPr>
         <p:txBody>
-          <a:bodyPr>
-            <a:normAutofit fontScale="92500"/>
+          <a:bodyPr vert="horz" lIns="91440" tIns="45720" rIns="91440" bIns="45720" rtlCol="0" anchor="t">
+            <a:normAutofit/>
           </a:bodyPr>
           <a:lstStyle/>
           <a:p>
@@ -6335,33 +6686,19 @@
           <a:p>
             <a:r>
               <a:rPr lang="ru-RU" sz="3200" dirty="0"/>
-              <a:t>Просмотр информации об игре</a:t>
+              <a:t>Просмотр видео</a:t>
             </a:r>
           </a:p>
           <a:p>
             <a:r>
               <a:rPr lang="ru-RU" sz="3200" dirty="0"/>
-              <a:t>Добавление и удаление любимых игр</a:t>
+              <a:t>Добавление и удаление и редактирование видео</a:t>
             </a:r>
           </a:p>
           <a:p>
             <a:r>
               <a:rPr lang="ru-RU" sz="3200" dirty="0"/>
-              <a:t>Добавление и удаление игр из списка желаемого</a:t>
-            </a:r>
-          </a:p>
-          <a:p>
-            <a:r>
-              <a:rPr lang="ru-RU" sz="3200" dirty="0"/>
-              <a:t>Генерация списка желаемого в </a:t>
-            </a:r>
-            <a:r>
-              <a:rPr lang="en-US" sz="3200" dirty="0"/>
-              <a:t>txt </a:t>
-            </a:r>
-            <a:r>
-              <a:rPr lang="ru-RU" sz="3200" dirty="0"/>
-              <a:t>файл</a:t>
+              <a:t>Добавление комментариев</a:t>
             </a:r>
           </a:p>
         </p:txBody>
@@ -6466,26 +6803,24 @@
           <a:p>
             <a:r>
               <a:rPr lang="ru-RU" dirty="0"/>
-              <a:t>Поиск и просмотр основной информации об игре</a:t>
+              <a:t>Главная страница</a:t>
             </a:r>
           </a:p>
         </p:txBody>
       </p:sp>
       <p:pic>
         <p:nvPicPr>
-          <p:cNvPr id="4" name="Объект 3">
+          <p:cNvPr id="11" name="Рисунок 11">
             <a:extLst>
               <a:ext uri="{FF2B5EF4-FFF2-40B4-BE49-F238E27FC236}">
-                <a16:creationId xmlns:a16="http://schemas.microsoft.com/office/drawing/2014/main" id="{7196397E-8EC4-433A-A359-A78B0673BEDB}"/>
+                <a16:creationId xmlns:a16="http://schemas.microsoft.com/office/drawing/2014/main" id="{33852BA5-A854-87FE-7C48-E6A447795F85}"/>
               </a:ext>
             </a:extLst>
           </p:cNvPr>
           <p:cNvPicPr>
-            <a:picLocks noGrp="1" noChangeAspect="1"/>
+            <a:picLocks noChangeAspect="1"/>
           </p:cNvPicPr>
-          <p:nvPr>
-            <p:ph idx="1"/>
-          </p:nvPr>
+          <p:nvPr/>
         </p:nvPicPr>
         <p:blipFill>
           <a:blip r:embed="rId2"/>
@@ -6495,38 +6830,8 @@
         </p:blipFill>
         <p:spPr>
           <a:xfrm>
-            <a:off x="6680409" y="1853246"/>
-            <a:ext cx="4298330" cy="4164480"/>
-          </a:xfrm>
-          <a:prstGeom prst="rect">
-            <a:avLst/>
-          </a:prstGeom>
-        </p:spPr>
-      </p:pic>
-      <p:pic>
-        <p:nvPicPr>
-          <p:cNvPr id="5" name="Рисунок 4">
-            <a:extLst>
-              <a:ext uri="{FF2B5EF4-FFF2-40B4-BE49-F238E27FC236}">
-                <a16:creationId xmlns:a16="http://schemas.microsoft.com/office/drawing/2014/main" id="{82E5B359-516E-49F7-8019-0F8792199837}"/>
-              </a:ext>
-            </a:extLst>
-          </p:cNvPr>
-          <p:cNvPicPr>
-            <a:picLocks noChangeAspect="1"/>
-          </p:cNvPicPr>
-          <p:nvPr/>
-        </p:nvPicPr>
-        <p:blipFill>
-          <a:blip r:embed="rId3"/>
-          <a:stretch>
-            <a:fillRect/>
-          </a:stretch>
-        </p:blipFill>
-        <p:spPr>
-          <a:xfrm>
-            <a:off x="801861" y="1853247"/>
-            <a:ext cx="5598939" cy="4164479"/>
+            <a:off x="449766" y="1605945"/>
+            <a:ext cx="10391078" cy="4844866"/>
           </a:xfrm>
           <a:prstGeom prst="rect">
             <a:avLst/>
@@ -6586,17 +6891,56 @@
           <a:p>
             <a:r>
               <a:rPr lang="ru-RU" dirty="0"/>
-              <a:t>Список желаемого</a:t>
+              <a:t>Просмотр видео и комментарии</a:t>
+            </a:r>
+          </a:p>
+        </p:txBody>
+      </p:sp>
+      <p:sp>
+        <p:nvSpPr>
+          <p:cNvPr id="3" name="TextBox 2">
+            <a:extLst>
+              <a:ext uri="{FF2B5EF4-FFF2-40B4-BE49-F238E27FC236}">
+                <a16:creationId xmlns:a16="http://schemas.microsoft.com/office/drawing/2014/main" id="{F1A4527D-2AD0-2292-3BFA-C7104C18E772}"/>
+              </a:ext>
+            </a:extLst>
+          </p:cNvPr>
+          <p:cNvSpPr txBox="1"/>
+          <p:nvPr/>
+        </p:nvSpPr>
+        <p:spPr>
+          <a:xfrm>
+            <a:off x="4724400" y="3200400"/>
+            <a:ext cx="2743200" cy="369332"/>
+          </a:xfrm>
+          <a:prstGeom prst="rect">
+            <a:avLst/>
+          </a:prstGeom>
+          <a:noFill/>
+        </p:spPr>
+        <p:txBody>
+          <a:bodyPr rot="0" spcFirstLastPara="0" vertOverflow="overflow" horzOverflow="overflow" vert="horz" wrap="square" lIns="91440" tIns="45720" rIns="91440" bIns="45720" numCol="1" spcCol="0" rtlCol="0" fromWordArt="0" anchor="t" anchorCtr="0" forceAA="0" compatLnSpc="1">
+            <a:prstTxWarp prst="textNoShape">
+              <a:avLst/>
+            </a:prstTxWarp>
+            <a:spAutoFit/>
+          </a:bodyPr>
+          <a:lstStyle/>
+          <a:p>
+            <a:pPr algn="l"/>
+            <a:r>
+              <a:rPr lang="ru-RU"/>
+              <a:t>Текст слайда</a:t>
             </a:r>
           </a:p>
         </p:txBody>
       </p:sp>
       <p:pic>
         <p:nvPicPr>
-          <p:cNvPr id="4" name="Объект 3">
+          <p:cNvPr id="7" name="Рисунок 7">
             <a:extLst>
               <a:ext uri="{FF2B5EF4-FFF2-40B4-BE49-F238E27FC236}">
-                <a16:creationId xmlns:a16="http://schemas.microsoft.com/office/drawing/2014/main" id="{046A6074-BF54-4277-A476-6847A880E497}"/>
+                <a16:creationId xmlns:a16="http://schemas.microsoft.com/office/drawing/2014/main" id="{2460CE08-62F0-42EE-5F0C-A8A4F0D07F10}"/>
               </a:ext>
             </a:extLst>
           </p:cNvPr>
@@ -6615,12 +6959,9 @@
         </p:blipFill>
         <p:spPr>
           <a:xfrm>
-            <a:off x="719083" y="1648876"/>
-            <a:ext cx="7744305" cy="4195762"/>
+            <a:off x="751360" y="1309504"/>
+            <a:ext cx="9204395" cy="4818090"/>
           </a:xfrm>
-          <a:prstGeom prst="rect">
-            <a:avLst/>
-          </a:prstGeom>
         </p:spPr>
       </p:pic>
     </p:spTree>
@@ -6676,26 +7017,24 @@
           <a:p>
             <a:r>
               <a:rPr lang="ru-RU" dirty="0"/>
-              <a:t>Любимые и рекомендованные игры</a:t>
+              <a:t>Логин и регистрация</a:t>
             </a:r>
           </a:p>
         </p:txBody>
       </p:sp>
       <p:pic>
         <p:nvPicPr>
-          <p:cNvPr id="12" name="Объект 11">
+          <p:cNvPr id="3" name="Рисунок 3">
             <a:extLst>
               <a:ext uri="{FF2B5EF4-FFF2-40B4-BE49-F238E27FC236}">
-                <a16:creationId xmlns:a16="http://schemas.microsoft.com/office/drawing/2014/main" id="{C472B892-93EE-47B6-9A47-6C04DD80F6E5}"/>
+                <a16:creationId xmlns:a16="http://schemas.microsoft.com/office/drawing/2014/main" id="{2CC01ED0-E53A-2E22-8311-75BF680E34F6}"/>
               </a:ext>
             </a:extLst>
           </p:cNvPr>
           <p:cNvPicPr>
-            <a:picLocks noGrp="1" noChangeAspect="1"/>
+            <a:picLocks noChangeAspect="1"/>
           </p:cNvPicPr>
-          <p:nvPr>
-            <p:ph idx="1"/>
-          </p:nvPr>
+          <p:nvPr/>
         </p:nvPicPr>
         <p:blipFill>
           <a:blip r:embed="rId2"/>
@@ -6705,8 +7044,8 @@
         </p:blipFill>
         <p:spPr>
           <a:xfrm>
-            <a:off x="816808" y="2272332"/>
-            <a:ext cx="5156479" cy="3825647"/>
+            <a:off x="644912" y="1474332"/>
+            <a:ext cx="4583151" cy="4903653"/>
           </a:xfrm>
           <a:prstGeom prst="rect">
             <a:avLst/>
@@ -6715,10 +7054,10 @@
       </p:pic>
       <p:pic>
         <p:nvPicPr>
-          <p:cNvPr id="13" name="Рисунок 12">
+          <p:cNvPr id="6" name="Рисунок 6">
             <a:extLst>
               <a:ext uri="{FF2B5EF4-FFF2-40B4-BE49-F238E27FC236}">
-                <a16:creationId xmlns:a16="http://schemas.microsoft.com/office/drawing/2014/main" id="{8928B799-ED9C-4C93-B0D3-8D88A8D2540F}"/>
+                <a16:creationId xmlns:a16="http://schemas.microsoft.com/office/drawing/2014/main" id="{96A998AF-2611-AC25-9B78-560E2585AFEF}"/>
               </a:ext>
             </a:extLst>
           </p:cNvPr>
@@ -6735,8 +7074,8 @@
         </p:blipFill>
         <p:spPr>
           <a:xfrm>
-            <a:off x="6281877" y="2272332"/>
-            <a:ext cx="5093315" cy="3825647"/>
+            <a:off x="5820937" y="1478472"/>
+            <a:ext cx="5038492" cy="4895373"/>
           </a:xfrm>
           <a:prstGeom prst="rect">
             <a:avLst/>
@@ -6747,6 +7086,93 @@
     <p:extLst>
       <p:ext uri="{BB962C8B-B14F-4D97-AF65-F5344CB8AC3E}">
         <p14:creationId xmlns:p14="http://schemas.microsoft.com/office/powerpoint/2010/main" val="2557138802"/>
+      </p:ext>
+    </p:extLst>
+  </p:cSld>
+  <p:clrMapOvr>
+    <a:masterClrMapping/>
+  </p:clrMapOvr>
+</p:sld>
+</file>
+
+<file path=ppt/slides/slide7.xml><?xml version="1.0" encoding="utf-8"?>
+<p:sld xmlns:a="http://schemas.openxmlformats.org/drawingml/2006/main" xmlns:r="http://schemas.openxmlformats.org/officeDocument/2006/relationships" xmlns:p="http://schemas.openxmlformats.org/presentationml/2006/main">
+  <p:cSld>
+    <p:spTree>
+      <p:nvGrpSpPr>
+        <p:cNvPr id="1" name=""/>
+        <p:cNvGrpSpPr/>
+        <p:nvPr/>
+      </p:nvGrpSpPr>
+      <p:grpSpPr>
+        <a:xfrm>
+          <a:off x="0" y="0"/>
+          <a:ext cx="0" cy="0"/>
+          <a:chOff x="0" y="0"/>
+          <a:chExt cx="0" cy="0"/>
+        </a:xfrm>
+      </p:grpSpPr>
+      <p:sp>
+        <p:nvSpPr>
+          <p:cNvPr id="2" name="Заголовок 1">
+            <a:extLst>
+              <a:ext uri="{FF2B5EF4-FFF2-40B4-BE49-F238E27FC236}">
+                <a16:creationId xmlns:a16="http://schemas.microsoft.com/office/drawing/2014/main" id="{ACAC682A-7B15-0F35-80B3-1E7AF4F101ED}"/>
+              </a:ext>
+            </a:extLst>
+          </p:cNvPr>
+          <p:cNvSpPr>
+            <a:spLocks noGrp="1"/>
+          </p:cNvSpPr>
+          <p:nvPr>
+            <p:ph type="title"/>
+          </p:nvPr>
+        </p:nvSpPr>
+        <p:spPr/>
+        <p:txBody>
+          <a:bodyPr/>
+          <a:lstStyle/>
+          <a:p>
+            <a:r>
+              <a:rPr lang="ru-RU" dirty="0"/>
+              <a:t>Каналы</a:t>
+            </a:r>
+          </a:p>
+        </p:txBody>
+      </p:sp>
+      <p:pic>
+        <p:nvPicPr>
+          <p:cNvPr id="4" name="Рисунок 4">
+            <a:extLst>
+              <a:ext uri="{FF2B5EF4-FFF2-40B4-BE49-F238E27FC236}">
+                <a16:creationId xmlns:a16="http://schemas.microsoft.com/office/drawing/2014/main" id="{9836E614-C1F4-B398-396A-B64316814C9F}"/>
+              </a:ext>
+            </a:extLst>
+          </p:cNvPr>
+          <p:cNvPicPr>
+            <a:picLocks noGrp="1" noChangeAspect="1"/>
+          </p:cNvPicPr>
+          <p:nvPr>
+            <p:ph idx="1"/>
+          </p:nvPr>
+        </p:nvPicPr>
+        <p:blipFill>
+          <a:blip r:embed="rId2"/>
+          <a:stretch>
+            <a:fillRect/>
+          </a:stretch>
+        </p:blipFill>
+        <p:spPr>
+          <a:xfrm>
+            <a:off x="647546" y="1718382"/>
+            <a:ext cx="9003146" cy="4316286"/>
+          </a:xfrm>
+        </p:spPr>
+      </p:pic>
+    </p:spTree>
+    <p:extLst>
+      <p:ext uri="{BB962C8B-B14F-4D97-AF65-F5344CB8AC3E}">
+        <p14:creationId xmlns:p14="http://schemas.microsoft.com/office/powerpoint/2010/main" val="865090771"/>
       </p:ext>
     </p:extLst>
   </p:cSld>
